--- a/答辩PPT.pptx
+++ b/答辩PPT.pptx
@@ -20543,8 +20543,8 @@
         </p:nvSpPr>
         <p:spPr>
           <a:xfrm>
-            <a:off x="609600" y="1153795"/>
-            <a:ext cx="10972800" cy="7016115"/>
+            <a:off x="375920" y="1257935"/>
+            <a:ext cx="11271885" cy="5908040"/>
           </a:xfrm>
           <a:prstGeom prst="rect">
             <a:avLst/>
@@ -20558,7 +20558,7 @@
           <a:p>
             <a:pPr marL="285750" indent="-285750">
               <a:lnSpc>
-                <a:spcPct val="150000"/>
+                <a:spcPct val="100000"/>
               </a:lnSpc>
               <a:buFont typeface="Wingdings" panose="05000000000000000000" charset="0"/>
               <a:buChar char="l"/>
@@ -20578,6 +20578,9 @@
           </a:p>
           <a:p>
             <a:pPr marL="285750" indent="-285750">
+              <a:lnSpc>
+                <a:spcPct val="100000"/>
+              </a:lnSpc>
               <a:buFont typeface="Wingdings" panose="05000000000000000000" charset="0"/>
               <a:buChar char="l"/>
             </a:pPr>
@@ -20585,13 +20588,72 @@
               <a:rPr lang="zh-CN" altLang="en-US"/>
               <a:t>张鸿蓝：</a:t>
             </a:r>
-            <a:endParaRPr lang="zh-CN" altLang="en-US"/>
-          </a:p>
-          <a:p>
-            <a:pPr indent="0">
-              <a:buFont typeface="Wingdings" panose="05000000000000000000" charset="0"/>
-              <a:buNone/>
-            </a:pPr>
+            <a:r>
+              <a:rPr lang="en-US" altLang="zh-CN" dirty="0">
+                <a:sym typeface="+mn-ea"/>
+              </a:rPr>
+              <a:t>By reading the game tutorials on </a:t>
+            </a:r>
+            <a:r>
+              <a:rPr lang="en-US" altLang="zh-CN" dirty="0" err="1">
+                <a:sym typeface="+mn-ea"/>
+              </a:rPr>
+              <a:t>Felgo‘s</a:t>
+            </a:r>
+            <a:r>
+              <a:rPr lang="en-US" altLang="zh-CN" dirty="0">
+                <a:sym typeface="+mn-ea"/>
+              </a:rPr>
+              <a:t> official website and </a:t>
+            </a:r>
+            <a:r>
+              <a:rPr lang="en-US" altLang="zh-CN" dirty="0" err="1">
+                <a:sym typeface="+mn-ea"/>
+              </a:rPr>
+              <a:t>felgo</a:t>
+            </a:r>
+            <a:r>
+              <a:rPr lang="en-US" altLang="zh-CN" dirty="0">
+                <a:sym typeface="+mn-ea"/>
+              </a:rPr>
+              <a:t> game examples ,I learned how to use sprite animation</a:t>
+            </a:r>
+            <a:r>
+              <a:rPr lang="zh-CN" altLang="en-US" dirty="0">
+                <a:sym typeface="+mn-ea"/>
+              </a:rPr>
+              <a:t>、</a:t>
+            </a:r>
+            <a:r>
+              <a:rPr lang="en-US" altLang="zh-CN" dirty="0">
+                <a:sym typeface="+mn-ea"/>
+              </a:rPr>
+              <a:t>collision</a:t>
+            </a:r>
+            <a:r>
+              <a:rPr lang="zh-CN" altLang="en-US" dirty="0">
+                <a:sym typeface="+mn-ea"/>
+              </a:rPr>
+              <a:t>、</a:t>
+            </a:r>
+            <a:r>
+              <a:rPr lang="en-US" altLang="zh-CN" dirty="0">
+                <a:sym typeface="+mn-ea"/>
+              </a:rPr>
+              <a:t>level setting </a:t>
+            </a:r>
+            <a:r>
+              <a:rPr lang="zh-CN" altLang="en-US" dirty="0">
+                <a:sym typeface="+mn-ea"/>
+              </a:rPr>
+              <a:t>、</a:t>
+            </a:r>
+            <a:r>
+              <a:rPr lang="en-US" altLang="zh-CN" dirty="0">
+                <a:sym typeface="+mn-ea"/>
+              </a:rPr>
+              <a:t>scene setting how to reset the scene and entities. Regarding the scene reset that I am responsible for, first analyze the entity that needs to be reset, and then improve the corresponding reset function, and then complete all the resets by calling the corresponding reset function in the game scene.</a:t>
+            </a:r>
             <a:endParaRPr lang="zh-CN" altLang="en-US"/>
           </a:p>
           <a:p>
@@ -20604,7 +20666,7 @@
           <a:p>
             <a:pPr marL="285750" indent="-285750">
               <a:lnSpc>
-                <a:spcPct val="150000"/>
+                <a:spcPct val="100000"/>
               </a:lnSpc>
               <a:buFont typeface="Wingdings" panose="05000000000000000000" charset="0"/>
               <a:buChar char="l"/>
@@ -20614,15 +20676,15 @@
               <a:t>符溶芷：</a:t>
             </a:r>
             <a:r>
-              <a:t>By reading the game tutorials on Felgo's official website, I learned how to switch scenes by clicking buttons. Secondly, referring to the game scene code in the example felgo, a new file level is created to store the composition of the game scene of each level because of the different game scenes involved in each level. In game scenarios, the ground, gold, player, and various in-game entities are determined by locating the Row and Column positions of each entity. For example, the Ground is joined by a single Ground position with the coordinates of a Row and a Column. Other entities are similar.</a:t>
+              <a:t>By reading the game tutorials on Felgo's official website, I learned how to switch scenes by clicking buttons. Second, refer to the game scene code in the Felgo example. In the game scene, the Ground, </a:t>
             </a:r>
-          </a:p>
-          <a:p>
-            <a:pPr marL="285750" indent="-285750">
-              <a:buFont typeface="Wingdings" panose="05000000000000000000" charset="0"/>
-              <a:buChar char="l"/>
-            </a:pPr>
-            <a:endParaRPr lang="zh-CN" altLang="en-US"/>
+            <a:r>
+              <a:rPr lang="en-US"/>
+              <a:t>coins</a:t>
+            </a:r>
+            <a:r>
+              <a:t>, players and various entities are determined by locating their Row and Column positions. For example, the Ground is joined by a single Ground positioning Row and Column coordinates. Other entities are similar.</a:t>
+            </a:r>
           </a:p>
           <a:p>
             <a:pPr indent="0">
